--- a/Lectures/Lecture 6.pptx
+++ b/Lectures/Lecture 6.pptx
@@ -17151,8 +17151,8 @@
           </a:p>
         </p:txBody>
       </p:sp>
-      <mc:AlternateContent xmlns:mc="http://schemas.openxmlformats.org/markup-compatibility/2006">
-        <mc:Choice xmlns:a14="http://schemas.microsoft.com/office/drawing/2010/main" Requires="a14">
+      <mc:AlternateContent xmlns:mc="http://schemas.openxmlformats.org/markup-compatibility/2006" xmlns:a14="http://schemas.microsoft.com/office/drawing/2010/main">
+        <mc:Choice Requires="a14">
           <p:sp>
             <p:nvSpPr>
               <p:cNvPr id="3" name="Content Placeholder 2">
@@ -17404,7 +17404,7 @@
             </p:txBody>
           </p:sp>
         </mc:Choice>
-        <mc:Fallback>
+        <mc:Fallback xmlns="">
           <p:sp>
             <p:nvSpPr>
               <p:cNvPr id="3" name="Content Placeholder 2">
@@ -17821,8 +17821,8 @@
           </a:p>
         </p:txBody>
       </p:sp>
-      <mc:AlternateContent xmlns:mc="http://schemas.openxmlformats.org/markup-compatibility/2006">
-        <mc:Choice xmlns:a14="http://schemas.microsoft.com/office/drawing/2010/main" Requires="a14">
+      <mc:AlternateContent xmlns:mc="http://schemas.openxmlformats.org/markup-compatibility/2006" xmlns:a14="http://schemas.microsoft.com/office/drawing/2010/main">
+        <mc:Choice Requires="a14">
           <p:sp>
             <p:nvSpPr>
               <p:cNvPr id="3" name="Content Placeholder 2">
@@ -18116,13 +18116,7 @@
                       <a:rPr lang="en-US" b="0" i="1" smtClean="0">
                         <a:latin typeface="Cambria Math" panose="02040503050406030204" pitchFamily="18" charset="0"/>
                       </a:rPr>
-                      <m:t>&gt;</m:t>
-                    </m:r>
-                    <m:r>
-                      <a:rPr lang="en-US" b="0" i="1" smtClean="0">
-                        <a:latin typeface="Cambria Math" panose="02040503050406030204" pitchFamily="18" charset="0"/>
-                      </a:rPr>
-                      <m:t>1</m:t>
+                      <m:t>&gt;1</m:t>
                     </m:r>
                   </m:oMath>
                 </a14:m>
@@ -18199,7 +18193,7 @@
             </p:txBody>
           </p:sp>
         </mc:Choice>
-        <mc:Fallback>
+        <mc:Fallback xmlns="">
           <p:sp>
             <p:nvSpPr>
               <p:cNvPr id="3" name="Content Placeholder 2">
@@ -18301,8 +18295,8 @@
           </a:p>
         </p:txBody>
       </p:sp>
-      <mc:AlternateContent xmlns:mc="http://schemas.openxmlformats.org/markup-compatibility/2006">
-        <mc:Choice xmlns:a14="http://schemas.microsoft.com/office/drawing/2010/main" Requires="a14">
+      <mc:AlternateContent xmlns:mc="http://schemas.openxmlformats.org/markup-compatibility/2006" xmlns:a14="http://schemas.microsoft.com/office/drawing/2010/main">
+        <mc:Choice Requires="a14">
           <p:sp>
             <p:nvSpPr>
               <p:cNvPr id="3" name="Content Placeholder 2">
@@ -19111,7 +19105,7 @@
             </p:txBody>
           </p:sp>
         </mc:Choice>
-        <mc:Fallback>
+        <mc:Fallback xmlns="">
           <p:sp>
             <p:nvSpPr>
               <p:cNvPr id="3" name="Content Placeholder 2">
@@ -19213,8 +19207,8 @@
           </a:p>
         </p:txBody>
       </p:sp>
-      <mc:AlternateContent xmlns:mc="http://schemas.openxmlformats.org/markup-compatibility/2006">
-        <mc:Choice xmlns:a14="http://schemas.microsoft.com/office/drawing/2010/main" Requires="a14">
+      <mc:AlternateContent xmlns:mc="http://schemas.openxmlformats.org/markup-compatibility/2006" xmlns:a14="http://schemas.microsoft.com/office/drawing/2010/main">
+        <mc:Choice Requires="a14">
           <p:sp>
             <p:nvSpPr>
               <p:cNvPr id="3" name="Content Placeholder 2">
@@ -19808,7 +19802,7 @@
             </p:txBody>
           </p:sp>
         </mc:Choice>
-        <mc:Fallback>
+        <mc:Fallback xmlns="">
           <p:sp>
             <p:nvSpPr>
               <p:cNvPr id="3" name="Content Placeholder 2">
@@ -19910,8 +19904,8 @@
           </a:p>
         </p:txBody>
       </p:sp>
-      <mc:AlternateContent xmlns:mc="http://schemas.openxmlformats.org/markup-compatibility/2006">
-        <mc:Choice xmlns:a14="http://schemas.microsoft.com/office/drawing/2010/main" Requires="a14">
+      <mc:AlternateContent xmlns:mc="http://schemas.openxmlformats.org/markup-compatibility/2006" xmlns:a14="http://schemas.microsoft.com/office/drawing/2010/main">
+        <mc:Choice Requires="a14">
           <p:sp>
             <p:nvSpPr>
               <p:cNvPr id="3" name="Content Placeholder 2">
@@ -20013,21 +20007,7 @@
                         <a:latin typeface="Cambria Math" panose="02040503050406030204" pitchFamily="18" charset="0"/>
                         <a:ea typeface="Cambria Math" panose="02040503050406030204" pitchFamily="18" charset="0"/>
                       </a:rPr>
-                      <m:t>(</m:t>
-                    </m:r>
-                    <m:r>
-                      <a:rPr lang="en-US" b="0" i="1" smtClean="0">
-                        <a:latin typeface="Cambria Math" panose="02040503050406030204" pitchFamily="18" charset="0"/>
-                        <a:ea typeface="Cambria Math" panose="02040503050406030204" pitchFamily="18" charset="0"/>
-                      </a:rPr>
-                      <m:t>1</m:t>
-                    </m:r>
-                    <m:r>
-                      <a:rPr lang="en-US" b="0" i="1" smtClean="0">
-                        <a:latin typeface="Cambria Math" panose="02040503050406030204" pitchFamily="18" charset="0"/>
-                        <a:ea typeface="Cambria Math" panose="02040503050406030204" pitchFamily="18" charset="0"/>
-                      </a:rPr>
-                      <m:t>)</m:t>
+                      <m:t>(1)</m:t>
                     </m:r>
                   </m:oMath>
                 </a14:m>
@@ -20057,16 +20037,7 @@
                         </a:solidFill>
                         <a:latin typeface="Cambria Math" panose="02040503050406030204" pitchFamily="18" charset="0"/>
                       </a:rPr>
-                      <m:t>=</m:t>
-                    </m:r>
-                    <m:r>
-                      <a:rPr lang="en-US" b="0" i="1" smtClean="0">
-                        <a:solidFill>
-                          <a:schemeClr val="tx1"/>
-                        </a:solidFill>
-                        <a:latin typeface="Cambria Math" panose="02040503050406030204" pitchFamily="18" charset="0"/>
-                      </a:rPr>
-                      <m:t>1</m:t>
+                      <m:t>=1</m:t>
                     </m:r>
                   </m:oMath>
                 </a14:m>
@@ -20444,7 +20415,7 @@
             </p:txBody>
           </p:sp>
         </mc:Choice>
-        <mc:Fallback>
+        <mc:Fallback xmlns="">
           <p:sp>
             <p:nvSpPr>
               <p:cNvPr id="3" name="Content Placeholder 2">
@@ -20785,8 +20756,8 @@
           </a:p>
         </p:txBody>
       </p:sp>
-      <mc:AlternateContent xmlns:mc="http://schemas.openxmlformats.org/markup-compatibility/2006">
-        <mc:Choice xmlns:a14="http://schemas.microsoft.com/office/drawing/2010/main" Requires="a14">
+      <mc:AlternateContent xmlns:mc="http://schemas.openxmlformats.org/markup-compatibility/2006" xmlns:a14="http://schemas.microsoft.com/office/drawing/2010/main">
+        <mc:Choice Requires="a14">
           <p:sp>
             <p:nvSpPr>
               <p:cNvPr id="3" name="Content Placeholder 2">
@@ -21225,13 +21196,7 @@
                                     <a:rPr lang="en-US" i="1">
                                       <a:latin typeface="Cambria Math" panose="02040503050406030204" pitchFamily="18" charset="0"/>
                                     </a:rPr>
-                                    <m:t>1</m:t>
-                                  </m:r>
-                                  <m:r>
-                                    <a:rPr lang="en-US" i="1">
-                                      <a:latin typeface="Cambria Math" panose="02040503050406030204" pitchFamily="18" charset="0"/>
-                                    </a:rPr>
-                                    <m:t>1</m:t>
+                                    <m:t>11</m:t>
                                   </m:r>
                                 </m:sub>
                               </m:sSub>
@@ -21778,7 +21743,7 @@
             </p:txBody>
           </p:sp>
         </mc:Choice>
-        <mc:Fallback>
+        <mc:Fallback xmlns="">
           <p:sp>
             <p:nvSpPr>
               <p:cNvPr id="3" name="Content Placeholder 2">
@@ -21880,8 +21845,8 @@
           </a:p>
         </p:txBody>
       </p:sp>
-      <mc:AlternateContent xmlns:mc="http://schemas.openxmlformats.org/markup-compatibility/2006">
-        <mc:Choice xmlns:a14="http://schemas.microsoft.com/office/drawing/2010/main" Requires="a14">
+      <mc:AlternateContent xmlns:mc="http://schemas.openxmlformats.org/markup-compatibility/2006" xmlns:a14="http://schemas.microsoft.com/office/drawing/2010/main">
+        <mc:Choice Requires="a14">
           <p:sp>
             <p:nvSpPr>
               <p:cNvPr id="3" name="Content Placeholder 2">
@@ -22665,16 +22630,7 @@
                             </a:solidFill>
                             <a:latin typeface="Cambria Math" panose="02040503050406030204" pitchFamily="18" charset="0"/>
                           </a:rPr>
-                          <m:t>2</m:t>
-                        </m:r>
-                        <m:r>
-                          <a:rPr lang="en-US" b="0" i="1" smtClean="0">
-                            <a:solidFill>
-                              <a:schemeClr val="tx1"/>
-                            </a:solidFill>
-                            <a:latin typeface="Cambria Math" panose="02040503050406030204" pitchFamily="18" charset="0"/>
-                          </a:rPr>
-                          <m:t>1</m:t>
+                          <m:t>21</m:t>
                         </m:r>
                       </m:sub>
                     </m:sSub>
@@ -22859,16 +22815,7 @@
                             </a:solidFill>
                             <a:latin typeface="Cambria Math" panose="02040503050406030204" pitchFamily="18" charset="0"/>
                           </a:rPr>
-                          <m:t>1</m:t>
-                        </m:r>
-                        <m:r>
-                          <a:rPr lang="en-US" b="0" i="1" smtClean="0">
-                            <a:solidFill>
-                              <a:schemeClr val="tx1"/>
-                            </a:solidFill>
-                            <a:latin typeface="Cambria Math" panose="02040503050406030204" pitchFamily="18" charset="0"/>
-                          </a:rPr>
-                          <m:t>1</m:t>
+                          <m:t>11</m:t>
                         </m:r>
                       </m:sub>
                     </m:sSub>
@@ -23315,13 +23262,7 @@
                           <a:rPr lang="en-US" b="0" i="1" smtClean="0">
                             <a:latin typeface="Cambria Math" panose="02040503050406030204" pitchFamily="18" charset="0"/>
                           </a:rPr>
-                          <m:t>2</m:t>
-                        </m:r>
-                        <m:r>
-                          <a:rPr lang="en-US" b="0" i="1" smtClean="0">
-                            <a:latin typeface="Cambria Math" panose="02040503050406030204" pitchFamily="18" charset="0"/>
-                          </a:rPr>
-                          <m:t>2</m:t>
+                          <m:t>22</m:t>
                         </m:r>
                       </m:sub>
                     </m:sSub>
@@ -23435,16 +23376,7 @@
                             </a:solidFill>
                             <a:latin typeface="Cambria Math" panose="02040503050406030204" pitchFamily="18" charset="0"/>
                           </a:rPr>
-                          <m:t>2</m:t>
-                        </m:r>
-                        <m:r>
-                          <a:rPr lang="en-US" b="0" i="1" smtClean="0">
-                            <a:solidFill>
-                              <a:schemeClr val="tx1"/>
-                            </a:solidFill>
-                            <a:latin typeface="Cambria Math" panose="02040503050406030204" pitchFamily="18" charset="0"/>
-                          </a:rPr>
-                          <m:t>1</m:t>
+                          <m:t>21</m:t>
                         </m:r>
                       </m:sub>
                     </m:sSub>
@@ -23743,13 +23675,7 @@
                           <a:rPr lang="en-US" b="0" i="1" smtClean="0">
                             <a:latin typeface="Cambria Math" panose="02040503050406030204" pitchFamily="18" charset="0"/>
                           </a:rPr>
-                          <m:t>2</m:t>
-                        </m:r>
-                        <m:r>
-                          <a:rPr lang="en-US" b="0" i="1" smtClean="0">
-                            <a:latin typeface="Cambria Math" panose="02040503050406030204" pitchFamily="18" charset="0"/>
-                          </a:rPr>
-                          <m:t>1</m:t>
+                          <m:t>21</m:t>
                         </m:r>
                       </m:sub>
                     </m:sSub>
@@ -23780,13 +23706,7 @@
                           <a:rPr lang="en-US" b="0" i="1" smtClean="0">
                             <a:latin typeface="Cambria Math" panose="02040503050406030204" pitchFamily="18" charset="0"/>
                           </a:rPr>
-                          <m:t>2</m:t>
-                        </m:r>
-                        <m:r>
-                          <a:rPr lang="en-US" b="0" i="1" smtClean="0">
-                            <a:latin typeface="Cambria Math" panose="02040503050406030204" pitchFamily="18" charset="0"/>
-                          </a:rPr>
-                          <m:t>2</m:t>
+                          <m:t>22</m:t>
                         </m:r>
                       </m:sub>
                     </m:sSub>
@@ -23887,7 +23807,7 @@
             </p:txBody>
           </p:sp>
         </mc:Choice>
-        <mc:Fallback>
+        <mc:Fallback xmlns="">
           <p:sp>
             <p:nvSpPr>
               <p:cNvPr id="3" name="Content Placeholder 2">
@@ -23990,8 +23910,8 @@
           </a:p>
         </p:txBody>
       </p:sp>
-      <mc:AlternateContent xmlns:mc="http://schemas.openxmlformats.org/markup-compatibility/2006">
-        <mc:Choice xmlns:a14="http://schemas.microsoft.com/office/drawing/2010/main" Requires="a14">
+      <mc:AlternateContent xmlns:mc="http://schemas.openxmlformats.org/markup-compatibility/2006" xmlns:a14="http://schemas.microsoft.com/office/drawing/2010/main">
+        <mc:Choice Requires="a14">
           <p:sp>
             <p:nvSpPr>
               <p:cNvPr id="3" name="Content Placeholder 2">
@@ -24829,7 +24749,7 @@
             </p:txBody>
           </p:sp>
         </mc:Choice>
-        <mc:Fallback>
+        <mc:Fallback xmlns="">
           <p:sp>
             <p:nvSpPr>
               <p:cNvPr id="3" name="Content Placeholder 2">
@@ -24932,8 +24852,8 @@
           </a:p>
         </p:txBody>
       </p:sp>
-      <mc:AlternateContent xmlns:mc="http://schemas.openxmlformats.org/markup-compatibility/2006">
-        <mc:Choice xmlns:a14="http://schemas.microsoft.com/office/drawing/2010/main" Requires="a14">
+      <mc:AlternateContent xmlns:mc="http://schemas.openxmlformats.org/markup-compatibility/2006" xmlns:a14="http://schemas.microsoft.com/office/drawing/2010/main">
+        <mc:Choice Requires="a14">
           <p:sp>
             <p:nvSpPr>
               <p:cNvPr id="3" name="Content Placeholder 2">
@@ -25663,7 +25583,7 @@
             </p:txBody>
           </p:sp>
         </mc:Choice>
-        <mc:Fallback>
+        <mc:Fallback xmlns="">
           <p:sp>
             <p:nvSpPr>
               <p:cNvPr id="3" name="Content Placeholder 2">
@@ -25766,8 +25686,8 @@
           </a:p>
         </p:txBody>
       </p:sp>
-      <mc:AlternateContent xmlns:mc="http://schemas.openxmlformats.org/markup-compatibility/2006">
-        <mc:Choice xmlns:a14="http://schemas.microsoft.com/office/drawing/2010/main" Requires="a14">
+      <mc:AlternateContent xmlns:mc="http://schemas.openxmlformats.org/markup-compatibility/2006" xmlns:a14="http://schemas.microsoft.com/office/drawing/2010/main">
+        <mc:Choice Requires="a14">
           <p:sp>
             <p:nvSpPr>
               <p:cNvPr id="3" name="Content Placeholder 2">
@@ -26111,7 +26031,7 @@
             </p:txBody>
           </p:sp>
         </mc:Choice>
-        <mc:Fallback>
+        <mc:Fallback xmlns="">
           <p:sp>
             <p:nvSpPr>
               <p:cNvPr id="3" name="Content Placeholder 2">
@@ -26372,8 +26292,8 @@
           </a:p>
         </p:txBody>
       </p:sp>
-      <mc:AlternateContent xmlns:mc="http://schemas.openxmlformats.org/markup-compatibility/2006">
-        <mc:Choice xmlns:a14="http://schemas.microsoft.com/office/drawing/2010/main" Requires="a14">
+      <mc:AlternateContent xmlns:mc="http://schemas.openxmlformats.org/markup-compatibility/2006" xmlns:a14="http://schemas.microsoft.com/office/drawing/2010/main">
+        <mc:Choice Requires="a14">
           <p:sp>
             <p:nvSpPr>
               <p:cNvPr id="3" name="Content Placeholder 2">
@@ -26571,7 +26491,7 @@
             </p:txBody>
           </p:sp>
         </mc:Choice>
-        <mc:Fallback>
+        <mc:Fallback xmlns="">
           <p:sp>
             <p:nvSpPr>
               <p:cNvPr id="3" name="Content Placeholder 2">
@@ -26712,7 +26632,7 @@
                       <a:schemeClr val="accent1"/>
                     </a:solidFill>
                   </a:rPr>
-                  <a:t>In the more general case of divide-and-conquer, a problem’s instance of size </a:t>
+                  <a:t>In a more general case of divide-and-conquer, a problem’s instance of size </a:t>
                 </a:r>
                 <a14:m>
                   <m:oMath xmlns:m="http://schemas.openxmlformats.org/officeDocument/2006/math">
@@ -28036,8 +27956,8 @@
           </a:p>
         </p:txBody>
       </p:sp>
-      <mc:AlternateContent xmlns:mc="http://schemas.openxmlformats.org/markup-compatibility/2006">
-        <mc:Choice xmlns:a14="http://schemas.microsoft.com/office/drawing/2010/main" Requires="a14">
+      <mc:AlternateContent xmlns:mc="http://schemas.openxmlformats.org/markup-compatibility/2006" xmlns:a14="http://schemas.microsoft.com/office/drawing/2010/main">
+        <mc:Choice Requires="a14">
           <p:sp>
             <p:nvSpPr>
               <p:cNvPr id="3" name="Content Placeholder 2">
@@ -28887,7 +28807,7 @@
             </p:txBody>
           </p:sp>
         </mc:Choice>
-        <mc:Fallback>
+        <mc:Fallback xmlns="">
           <p:sp>
             <p:nvSpPr>
               <p:cNvPr id="3" name="Content Placeholder 2">
@@ -29062,7 +28982,7 @@
                   <a:schemeClr val="accent1"/>
                 </a:solidFill>
               </a:rPr>
-              <a:t>Matrix Multiplication: Native and Strassen’s Method</a:t>
+              <a:t>Matrix Multiplication: Naïve and Strassen’s Method</a:t>
             </a:r>
           </a:p>
           <a:p>

--- a/Lectures/Lecture 6.pptx
+++ b/Lectures/Lecture 6.pptx
@@ -25680,7 +25680,7 @@
                   <a:schemeClr val="accent1"/>
                 </a:solidFill>
               </a:rPr>
-              <a:t>Strassen’s Algorithm: Analysis</a:t>
+              <a:t>Strassen’s Algorithm: Algorithmic Gap</a:t>
             </a:r>
             <a:endParaRPr lang="en-US" dirty="0"/>
           </a:p>
@@ -26593,8 +26593,8 @@
           </a:p>
         </p:txBody>
       </p:sp>
-      <mc:AlternateContent xmlns:mc="http://schemas.openxmlformats.org/markup-compatibility/2006">
-        <mc:Choice xmlns:a14="http://schemas.microsoft.com/office/drawing/2010/main" Requires="a14">
+      <mc:AlternateContent xmlns:mc="http://schemas.openxmlformats.org/markup-compatibility/2006" xmlns:a14="http://schemas.microsoft.com/office/drawing/2010/main">
+        <mc:Choice Requires="a14">
           <p:sp>
             <p:nvSpPr>
               <p:cNvPr id="3" name="Content Placeholder 2">
@@ -27850,7 +27850,7 @@
             </p:txBody>
           </p:sp>
         </mc:Choice>
-        <mc:Fallback>
+        <mc:Fallback xmlns="">
           <p:sp>
             <p:nvSpPr>
               <p:cNvPr id="3" name="Content Placeholder 2">

--- a/Lectures/Lecture 6.pptx
+++ b/Lectures/Lecture 6.pptx
@@ -10039,8 +10039,8 @@
           </a:p>
         </p:txBody>
       </p:sp>
-      <mc:AlternateContent xmlns:mc="http://schemas.openxmlformats.org/markup-compatibility/2006" xmlns:a14="http://schemas.microsoft.com/office/drawing/2010/main">
-        <mc:Choice Requires="a14">
+      <mc:AlternateContent xmlns:mc="http://schemas.openxmlformats.org/markup-compatibility/2006">
+        <mc:Choice xmlns:a14="http://schemas.microsoft.com/office/drawing/2010/main" Requires="a14">
           <p:sp>
             <p:nvSpPr>
               <p:cNvPr id="3" name="Content Placeholder 2">
@@ -10709,7 +10709,7 @@
                       <a:schemeClr val="accent1"/>
                     </a:solidFill>
                   </a:rPr>
-                  <a:t>swaps the pivot with the leftmost element larger than the pivot, thereby placing the pivot into the correct position, and returns the pivot index.</a:t>
+                  <a:t>swap the pivot with the leftmost element larger than the pivot, thereby placing the pivot into the correct position, and return the pivot index.</a:t>
                 </a:r>
                 <a:r>
                   <a:rPr lang="en-US" dirty="0">
@@ -10782,7 +10782,7 @@
             </p:txBody>
           </p:sp>
         </mc:Choice>
-        <mc:Fallback xmlns="">
+        <mc:Fallback>
           <p:sp>
             <p:nvSpPr>
               <p:cNvPr id="3" name="Content Placeholder 2">
@@ -10803,7 +10803,7 @@
               <a:blipFill>
                 <a:blip r:embed="rId2"/>
                 <a:stretch>
-                  <a:fillRect l="-638" t="-2521" r="-580"/>
+                  <a:fillRect l="-638" t="-2521" r="-928"/>
                 </a:stretch>
               </a:blipFill>
             </p:spPr>

--- a/Lectures/Lecture 6.pptx
+++ b/Lectures/Lecture 6.pptx
@@ -10039,8 +10039,8 @@
           </a:p>
         </p:txBody>
       </p:sp>
-      <mc:AlternateContent xmlns:mc="http://schemas.openxmlformats.org/markup-compatibility/2006">
-        <mc:Choice xmlns:a14="http://schemas.microsoft.com/office/drawing/2010/main" Requires="a14">
+      <mc:AlternateContent xmlns:mc="http://schemas.openxmlformats.org/markup-compatibility/2006" xmlns:a14="http://schemas.microsoft.com/office/drawing/2010/main">
+        <mc:Choice Requires="a14">
           <p:sp>
             <p:nvSpPr>
               <p:cNvPr id="3" name="Content Placeholder 2">
@@ -10782,7 +10782,7 @@
             </p:txBody>
           </p:sp>
         </mc:Choice>
-        <mc:Fallback>
+        <mc:Fallback xmlns="">
           <p:sp>
             <p:nvSpPr>
               <p:cNvPr id="3" name="Content Placeholder 2">
@@ -20618,7 +20618,23 @@
                   <a:schemeClr val="accent1"/>
                 </a:solidFill>
               </a:rPr>
-              <a:t> matrix-level multiplications in each recursive call, it performs only </a:t>
+              <a:t> matrix-level </a:t>
+            </a:r>
+            <a:r>
+              <a:rPr lang="en-US">
+                <a:solidFill>
+                  <a:schemeClr val="accent1"/>
+                </a:solidFill>
+              </a:rPr>
+              <a:t>multiplications at </a:t>
+            </a:r>
+            <a:r>
+              <a:rPr lang="en-US" dirty="0">
+                <a:solidFill>
+                  <a:schemeClr val="accent1"/>
+                </a:solidFill>
+              </a:rPr>
+              <a:t>each recursion level, it performs only </a:t>
             </a:r>
             <a:r>
               <a:rPr lang="en-US" b="1" i="1" dirty="0">

--- a/Lectures/Lecture 6.pptx
+++ b/Lectures/Lecture 6.pptx
@@ -19904,8 +19904,8 @@
           </a:p>
         </p:txBody>
       </p:sp>
-      <mc:AlternateContent xmlns:mc="http://schemas.openxmlformats.org/markup-compatibility/2006" xmlns:a14="http://schemas.microsoft.com/office/drawing/2010/main">
-        <mc:Choice Requires="a14">
+      <mc:AlternateContent xmlns:mc="http://schemas.openxmlformats.org/markup-compatibility/2006">
+        <mc:Choice xmlns:a14="http://schemas.microsoft.com/office/drawing/2010/main" Requires="a14">
           <p:sp>
             <p:nvSpPr>
               <p:cNvPr id="3" name="Content Placeholder 2">
@@ -20207,7 +20207,7 @@
                       <a:schemeClr val="accent1"/>
                     </a:solidFill>
                   </a:rPr>
-                  <a:t> for </a:t>
+                  <a:t>     for </a:t>
                 </a:r>
                 <a14:m>
                   <m:oMath xmlns:m="http://schemas.openxmlformats.org/officeDocument/2006/math">
@@ -20415,7 +20415,7 @@
             </p:txBody>
           </p:sp>
         </mc:Choice>
-        <mc:Fallback xmlns="">
+        <mc:Fallback>
           <p:sp>
             <p:nvSpPr>
               <p:cNvPr id="3" name="Content Placeholder 2">
@@ -20618,23 +20618,7 @@
                   <a:schemeClr val="accent1"/>
                 </a:solidFill>
               </a:rPr>
-              <a:t> matrix-level </a:t>
-            </a:r>
-            <a:r>
-              <a:rPr lang="en-US">
-                <a:solidFill>
-                  <a:schemeClr val="accent1"/>
-                </a:solidFill>
-              </a:rPr>
-              <a:t>multiplications at </a:t>
-            </a:r>
-            <a:r>
-              <a:rPr lang="en-US" dirty="0">
-                <a:solidFill>
-                  <a:schemeClr val="accent1"/>
-                </a:solidFill>
-              </a:rPr>
-              <a:t>each recursion level, it performs only </a:t>
+              <a:t> matrix-level multiplications at each recursion level, it performs only </a:t>
             </a:r>
             <a:r>
               <a:rPr lang="en-US" b="1" i="1" dirty="0">

--- a/Lectures/Lecture 6.pptx
+++ b/Lectures/Lecture 6.pptx
@@ -251,7 +251,7 @@
           <a:p>
             <a:fld id="{1CB48AD5-CDAE-4B7B-B49D-6DB81FF5A179}" type="datetimeFigureOut">
               <a:rPr lang="en-US" smtClean="0"/>
-              <a:t>9/10/2020</a:t>
+              <a:t>10/20/2020</a:t>
             </a:fld>
             <a:endParaRPr lang="en-US"/>
           </a:p>
@@ -665,7 +665,7 @@
           <a:p>
             <a:fld id="{C4959B56-7D6D-462F-B061-93C9E323EE8A}" type="datetimeFigureOut">
               <a:rPr lang="en-US" smtClean="0"/>
-              <a:t>9/10/2020</a:t>
+              <a:t>10/20/2020</a:t>
             </a:fld>
             <a:endParaRPr lang="en-US"/>
           </a:p>
@@ -863,7 +863,7 @@
           <a:p>
             <a:fld id="{C4959B56-7D6D-462F-B061-93C9E323EE8A}" type="datetimeFigureOut">
               <a:rPr lang="en-US" smtClean="0"/>
-              <a:t>9/10/2020</a:t>
+              <a:t>10/20/2020</a:t>
             </a:fld>
             <a:endParaRPr lang="en-US"/>
           </a:p>
@@ -1071,7 +1071,7 @@
           <a:p>
             <a:fld id="{C4959B56-7D6D-462F-B061-93C9E323EE8A}" type="datetimeFigureOut">
               <a:rPr lang="en-US" smtClean="0"/>
-              <a:t>9/10/2020</a:t>
+              <a:t>10/20/2020</a:t>
             </a:fld>
             <a:endParaRPr lang="en-US"/>
           </a:p>
@@ -1269,7 +1269,7 @@
           <a:p>
             <a:fld id="{C4959B56-7D6D-462F-B061-93C9E323EE8A}" type="datetimeFigureOut">
               <a:rPr lang="en-US" smtClean="0"/>
-              <a:t>9/10/2020</a:t>
+              <a:t>10/20/2020</a:t>
             </a:fld>
             <a:endParaRPr lang="en-US"/>
           </a:p>
@@ -1544,7 +1544,7 @@
           <a:p>
             <a:fld id="{C4959B56-7D6D-462F-B061-93C9E323EE8A}" type="datetimeFigureOut">
               <a:rPr lang="en-US" smtClean="0"/>
-              <a:t>9/10/2020</a:t>
+              <a:t>10/20/2020</a:t>
             </a:fld>
             <a:endParaRPr lang="en-US"/>
           </a:p>
@@ -1809,7 +1809,7 @@
           <a:p>
             <a:fld id="{C4959B56-7D6D-462F-B061-93C9E323EE8A}" type="datetimeFigureOut">
               <a:rPr lang="en-US" smtClean="0"/>
-              <a:t>9/10/2020</a:t>
+              <a:t>10/20/2020</a:t>
             </a:fld>
             <a:endParaRPr lang="en-US"/>
           </a:p>
@@ -2221,7 +2221,7 @@
           <a:p>
             <a:fld id="{C4959B56-7D6D-462F-B061-93C9E323EE8A}" type="datetimeFigureOut">
               <a:rPr lang="en-US" smtClean="0"/>
-              <a:t>9/10/2020</a:t>
+              <a:t>10/20/2020</a:t>
             </a:fld>
             <a:endParaRPr lang="en-US"/>
           </a:p>
@@ -2362,7 +2362,7 @@
           <a:p>
             <a:fld id="{C4959B56-7D6D-462F-B061-93C9E323EE8A}" type="datetimeFigureOut">
               <a:rPr lang="en-US" smtClean="0"/>
-              <a:t>9/10/2020</a:t>
+              <a:t>10/20/2020</a:t>
             </a:fld>
             <a:endParaRPr lang="en-US"/>
           </a:p>
@@ -2475,7 +2475,7 @@
           <a:p>
             <a:fld id="{C4959B56-7D6D-462F-B061-93C9E323EE8A}" type="datetimeFigureOut">
               <a:rPr lang="en-US" smtClean="0"/>
-              <a:t>9/10/2020</a:t>
+              <a:t>10/20/2020</a:t>
             </a:fld>
             <a:endParaRPr lang="en-US"/>
           </a:p>
@@ -2786,7 +2786,7 @@
           <a:p>
             <a:fld id="{C4959B56-7D6D-462F-B061-93C9E323EE8A}" type="datetimeFigureOut">
               <a:rPr lang="en-US" smtClean="0"/>
-              <a:t>9/10/2020</a:t>
+              <a:t>10/20/2020</a:t>
             </a:fld>
             <a:endParaRPr lang="en-US"/>
           </a:p>
@@ -3074,7 +3074,7 @@
           <a:p>
             <a:fld id="{C4959B56-7D6D-462F-B061-93C9E323EE8A}" type="datetimeFigureOut">
               <a:rPr lang="en-US" smtClean="0"/>
-              <a:t>9/10/2020</a:t>
+              <a:t>10/20/2020</a:t>
             </a:fld>
             <a:endParaRPr lang="en-US"/>
           </a:p>
@@ -3315,7 +3315,7 @@
           <a:p>
             <a:fld id="{C4959B56-7D6D-462F-B061-93C9E323EE8A}" type="datetimeFigureOut">
               <a:rPr lang="en-US" smtClean="0"/>
-              <a:t>9/10/2020</a:t>
+              <a:t>10/20/2020</a:t>
             </a:fld>
             <a:endParaRPr lang="en-US"/>
           </a:p>
@@ -19904,8 +19904,8 @@
           </a:p>
         </p:txBody>
       </p:sp>
-      <mc:AlternateContent xmlns:mc="http://schemas.openxmlformats.org/markup-compatibility/2006">
-        <mc:Choice xmlns:a14="http://schemas.microsoft.com/office/drawing/2010/main" Requires="a14">
+      <mc:AlternateContent xmlns:mc="http://schemas.openxmlformats.org/markup-compatibility/2006" xmlns:a14="http://schemas.microsoft.com/office/drawing/2010/main">
+        <mc:Choice Requires="a14">
           <p:sp>
             <p:nvSpPr>
               <p:cNvPr id="3" name="Content Placeholder 2">
@@ -20415,7 +20415,7 @@
             </p:txBody>
           </p:sp>
         </mc:Choice>
-        <mc:Fallback>
+        <mc:Fallback xmlns="">
           <p:sp>
             <p:nvSpPr>
               <p:cNvPr id="3" name="Content Placeholder 2">
@@ -30320,10 +30320,10 @@
       </mc:AlternateContent>
       <p:pic>
         <p:nvPicPr>
-          <p:cNvPr id="4" name="Picture 3">
+          <p:cNvPr id="8" name="Picture 7">
             <a:extLst>
               <a:ext uri="{FF2B5EF4-FFF2-40B4-BE49-F238E27FC236}">
-                <a16:creationId xmlns:a16="http://schemas.microsoft.com/office/drawing/2014/main" id="{0400EA27-182D-4D89-8606-FBAE04FA8124}"/>
+                <a16:creationId xmlns:a16="http://schemas.microsoft.com/office/drawing/2014/main" id="{927FC752-5B7B-49A5-8E82-8E7CFB5D0511}"/>
               </a:ext>
             </a:extLst>
           </p:cNvPr>
@@ -30346,8 +30346,8 @@
         </p:blipFill>
         <p:spPr>
           <a:xfrm>
-            <a:off x="3942080" y="2748684"/>
-            <a:ext cx="5699760" cy="1754887"/>
+            <a:off x="3811270" y="2906185"/>
+            <a:ext cx="4718050" cy="1505946"/>
           </a:xfrm>
           <a:prstGeom prst="rect">
             <a:avLst/>
@@ -30629,10 +30629,10 @@
       </mc:AlternateContent>
       <p:pic>
         <p:nvPicPr>
-          <p:cNvPr id="7" name="Picture 6">
+          <p:cNvPr id="9" name="Picture 8">
             <a:extLst>
               <a:ext uri="{FF2B5EF4-FFF2-40B4-BE49-F238E27FC236}">
-                <a16:creationId xmlns:a16="http://schemas.microsoft.com/office/drawing/2014/main" id="{4E7D4675-4066-40C5-9A50-9C1D6DFB7B9A}"/>
+                <a16:creationId xmlns:a16="http://schemas.microsoft.com/office/drawing/2014/main" id="{321C74ED-B457-43E9-8526-A223C45EF6D6}"/>
               </a:ext>
             </a:extLst>
           </p:cNvPr>
@@ -30655,8 +30655,8 @@
         </p:blipFill>
         <p:spPr>
           <a:xfrm>
-            <a:off x="3423920" y="5067550"/>
-            <a:ext cx="5174190" cy="1593069"/>
+            <a:off x="4040930" y="2663835"/>
+            <a:ext cx="3866300" cy="1425325"/>
           </a:xfrm>
           <a:prstGeom prst="rect">
             <a:avLst/>
@@ -30665,10 +30665,10 @@
       </p:pic>
       <p:pic>
         <p:nvPicPr>
-          <p:cNvPr id="9" name="Picture 8">
+          <p:cNvPr id="4" name="Picture 3">
             <a:extLst>
               <a:ext uri="{FF2B5EF4-FFF2-40B4-BE49-F238E27FC236}">
-                <a16:creationId xmlns:a16="http://schemas.microsoft.com/office/drawing/2014/main" id="{321C74ED-B457-43E9-8526-A223C45EF6D6}"/>
+                <a16:creationId xmlns:a16="http://schemas.microsoft.com/office/drawing/2014/main" id="{F0BB9D68-7341-4DCA-A66E-85169273013C}"/>
               </a:ext>
             </a:extLst>
           </p:cNvPr>
@@ -30691,8 +30691,8 @@
         </p:blipFill>
         <p:spPr>
           <a:xfrm>
-            <a:off x="4040930" y="2663835"/>
-            <a:ext cx="3866300" cy="1425325"/>
+            <a:off x="3736975" y="5103769"/>
+            <a:ext cx="4718050" cy="1505946"/>
           </a:xfrm>
           <a:prstGeom prst="rect">
             <a:avLst/>
